--- a/070-BuildModernizeModernAIApps/Coach/Solutions/challenge-04/Challenge 4.pptx
+++ b/070-BuildModernizeModernAIApps/Coach/Solutions/challenge-04/Challenge 4.pptx
@@ -166,7 +166,7 @@
 <file path=ppt/revisionInfo.xml><?xml version="1.0" encoding="utf-8"?>
 <p1510:revInfo xmlns:a="http://schemas.openxmlformats.org/drawingml/2006/main" xmlns:r="http://schemas.openxmlformats.org/officeDocument/2006/relationships" xmlns:p1510="http://schemas.microsoft.com/office/powerpoint/2015/10/main">
   <p1510:revLst>
-    <p1510:client id="{1343380D-A1FB-43A6-BA39-4E3F3EC025F8}" v="2" dt="2023-11-04T15:53:03.485"/>
+    <p1510:client id="{36BA3F46-526E-4062-8820-06A84EA44CDB}" v="2" dt="2023-11-05T04:50:33.208"/>
   </p1510:revLst>
 </p1510:revInfo>
 </file>
@@ -174,88 +174,59 @@
 <file path=ppt/changesInfos/changesInfo1.xml><?xml version="1.0" encoding="utf-8"?>
 <pc:chgInfo xmlns:a="http://schemas.openxmlformats.org/drawingml/2006/main" xmlns:r="http://schemas.openxmlformats.org/officeDocument/2006/relationships" xmlns:ac="http://schemas.microsoft.com/office/drawing/2013/main/command" xmlns:pc="http://schemas.microsoft.com/office/powerpoint/2013/main/command">
   <pc:docChgLst>
-    <pc:chgData name="Sandeep Nair" userId="696b1cd6-e518-4d79-b445-2c9186d3f0ab" providerId="ADAL" clId="{1343380D-A1FB-43A6-BA39-4E3F3EC025F8}"/>
+    <pc:chgData name="Sandeep Nair" userId="696b1cd6-e518-4d79-b445-2c9186d3f0ab" providerId="ADAL" clId="{36BA3F46-526E-4062-8820-06A84EA44CDB}"/>
     <pc:docChg chg="custSel modSld">
-      <pc:chgData name="Sandeep Nair" userId="696b1cd6-e518-4d79-b445-2c9186d3f0ab" providerId="ADAL" clId="{1343380D-A1FB-43A6-BA39-4E3F3EC025F8}" dt="2023-11-04T15:57:03.468" v="9" actId="33524"/>
-      <pc:docMkLst>
-        <pc:docMk/>
-      </pc:docMkLst>
-      <pc:sldChg chg="modNotesTx">
-        <pc:chgData name="Sandeep Nair" userId="696b1cd6-e518-4d79-b445-2c9186d3f0ab" providerId="ADAL" clId="{1343380D-A1FB-43A6-BA39-4E3F3EC025F8}" dt="2023-11-04T15:57:03.468" v="9" actId="33524"/>
-        <pc:sldMkLst>
-          <pc:docMk/>
-          <pc:sldMk cId="172670671" sldId="2076136250"/>
-        </pc:sldMkLst>
-      </pc:sldChg>
-      <pc:sldChg chg="modNotesTx">
-        <pc:chgData name="Sandeep Nair" userId="696b1cd6-e518-4d79-b445-2c9186d3f0ab" providerId="ADAL" clId="{1343380D-A1FB-43A6-BA39-4E3F3EC025F8}" dt="2023-11-04T15:50:46.291" v="2" actId="20577"/>
-        <pc:sldMkLst>
-          <pc:docMk/>
-          <pc:sldMk cId="1641401202" sldId="2076136297"/>
-        </pc:sldMkLst>
-      </pc:sldChg>
-      <pc:sldChg chg="modSp mod">
-        <pc:chgData name="Sandeep Nair" userId="696b1cd6-e518-4d79-b445-2c9186d3f0ab" providerId="ADAL" clId="{1343380D-A1FB-43A6-BA39-4E3F3EC025F8}" dt="2023-11-04T15:52:51.039" v="5" actId="6549"/>
-        <pc:sldMkLst>
-          <pc:docMk/>
-          <pc:sldMk cId="85133228" sldId="2147469983"/>
-        </pc:sldMkLst>
-        <pc:spChg chg="mod">
-          <ac:chgData name="Sandeep Nair" userId="696b1cd6-e518-4d79-b445-2c9186d3f0ab" providerId="ADAL" clId="{1343380D-A1FB-43A6-BA39-4E3F3EC025F8}" dt="2023-11-04T15:52:51.039" v="5" actId="6549"/>
-          <ac:spMkLst>
-            <pc:docMk/>
-            <pc:sldMk cId="85133228" sldId="2147469983"/>
-            <ac:spMk id="3" creationId="{5357802B-E9F4-A397-20D5-6E192C79263E}"/>
-          </ac:spMkLst>
-        </pc:spChg>
-      </pc:sldChg>
-      <pc:sldChg chg="modSp mod">
-        <pc:chgData name="Sandeep Nair" userId="696b1cd6-e518-4d79-b445-2c9186d3f0ab" providerId="ADAL" clId="{1343380D-A1FB-43A6-BA39-4E3F3EC025F8}" dt="2023-11-04T15:52:27.053" v="4" actId="6549"/>
-        <pc:sldMkLst>
-          <pc:docMk/>
-          <pc:sldMk cId="1918060408" sldId="2147469987"/>
-        </pc:sldMkLst>
-        <pc:spChg chg="mod">
-          <ac:chgData name="Sandeep Nair" userId="696b1cd6-e518-4d79-b445-2c9186d3f0ab" providerId="ADAL" clId="{1343380D-A1FB-43A6-BA39-4E3F3EC025F8}" dt="2023-11-04T15:52:27.053" v="4" actId="6549"/>
-          <ac:spMkLst>
-            <pc:docMk/>
-            <pc:sldMk cId="1918060408" sldId="2147469987"/>
-            <ac:spMk id="3" creationId="{46982CB1-256E-6CC5-294D-F1E6CA92938F}"/>
-          </ac:spMkLst>
-        </pc:spChg>
-      </pc:sldChg>
-    </pc:docChg>
-  </pc:docChgLst>
-  <pc:docChgLst>
-    <pc:chgData name="Sandeep Nair" userId="696b1cd6-e518-4d79-b445-2c9186d3f0ab" providerId="ADAL" clId="{4DFFD64B-8F11-4B1A-BFF6-DB9A1E37CD5D}"/>
-    <pc:docChg chg="undo custSel addSld delSld modSld modSection">
-      <pc:chgData name="Sandeep Nair" userId="696b1cd6-e518-4d79-b445-2c9186d3f0ab" providerId="ADAL" clId="{4DFFD64B-8F11-4B1A-BFF6-DB9A1E37CD5D}" dt="2023-11-03T09:29:33.674" v="2149" actId="20577"/>
+      <pc:chgData name="Sandeep Nair" userId="696b1cd6-e518-4d79-b445-2c9186d3f0ab" providerId="ADAL" clId="{36BA3F46-526E-4062-8820-06A84EA44CDB}" dt="2023-11-05T04:51:01.704" v="146" actId="20577"/>
       <pc:docMkLst>
         <pc:docMk/>
       </pc:docMkLst>
       <pc:sldChg chg="modSp mod modNotesTx">
-        <pc:chgData name="Sandeep Nair" userId="696b1cd6-e518-4d79-b445-2c9186d3f0ab" providerId="ADAL" clId="{4DFFD64B-8F11-4B1A-BFF6-DB9A1E37CD5D}" dt="2023-11-03T09:27:23.380" v="2088" actId="33524"/>
+        <pc:chgData name="Sandeep Nair" userId="696b1cd6-e518-4d79-b445-2c9186d3f0ab" providerId="ADAL" clId="{36BA3F46-526E-4062-8820-06A84EA44CDB}" dt="2023-11-05T03:16:56.228" v="23" actId="20577"/>
         <pc:sldMkLst>
           <pc:docMk/>
           <pc:sldMk cId="172670671" sldId="2076136250"/>
         </pc:sldMkLst>
         <pc:spChg chg="mod">
-          <ac:chgData name="Sandeep Nair" userId="696b1cd6-e518-4d79-b445-2c9186d3f0ab" providerId="ADAL" clId="{4DFFD64B-8F11-4B1A-BFF6-DB9A1E37CD5D}" dt="2023-11-03T07:20:56.933" v="4" actId="6549"/>
+          <ac:chgData name="Sandeep Nair" userId="696b1cd6-e518-4d79-b445-2c9186d3f0ab" providerId="ADAL" clId="{36BA3F46-526E-4062-8820-06A84EA44CDB}" dt="2023-11-05T03:16:42.039" v="18" actId="1037"/>
+          <ac:spMkLst>
+            <pc:docMk/>
+            <pc:sldMk cId="172670671" sldId="2076136250"/>
+            <ac:spMk id="2" creationId="{A19B3745-E6EE-4A30-8C28-A11C12F5C6B6}"/>
+          </ac:spMkLst>
+        </pc:spChg>
+        <pc:spChg chg="mod">
+          <ac:chgData name="Sandeep Nair" userId="696b1cd6-e518-4d79-b445-2c9186d3f0ab" providerId="ADAL" clId="{36BA3F46-526E-4062-8820-06A84EA44CDB}" dt="2023-11-05T03:16:42.039" v="18" actId="1037"/>
           <ac:spMkLst>
             <pc:docMk/>
             <pc:sldMk cId="172670671" sldId="2076136250"/>
             <ac:spMk id="4" creationId="{7512C31D-C592-FCF5-6E10-83314A77B034}"/>
           </ac:spMkLst>
         </pc:spChg>
+        <pc:spChg chg="mod">
+          <ac:chgData name="Sandeep Nair" userId="696b1cd6-e518-4d79-b445-2c9186d3f0ab" providerId="ADAL" clId="{36BA3F46-526E-4062-8820-06A84EA44CDB}" dt="2023-11-05T03:16:42.039" v="18" actId="1037"/>
+          <ac:spMkLst>
+            <pc:docMk/>
+            <pc:sldMk cId="172670671" sldId="2076136250"/>
+            <ac:spMk id="6" creationId="{11A81E9A-39D7-FC6A-5253-E2C1E6177AF8}"/>
+          </ac:spMkLst>
+        </pc:spChg>
+        <pc:spChg chg="mod">
+          <ac:chgData name="Sandeep Nair" userId="696b1cd6-e518-4d79-b445-2c9186d3f0ab" providerId="ADAL" clId="{36BA3F46-526E-4062-8820-06A84EA44CDB}" dt="2023-11-05T03:16:42.039" v="18" actId="1037"/>
+          <ac:spMkLst>
+            <pc:docMk/>
+            <pc:sldMk cId="172670671" sldId="2076136250"/>
+            <ac:spMk id="9" creationId="{9B601207-A802-791B-DE09-27F05A434A9C}"/>
+          </ac:spMkLst>
+        </pc:spChg>
       </pc:sldChg>
-      <pc:sldChg chg="modSp mod modNotesTx">
-        <pc:chgData name="Sandeep Nair" userId="696b1cd6-e518-4d79-b445-2c9186d3f0ab" providerId="ADAL" clId="{4DFFD64B-8F11-4B1A-BFF6-DB9A1E37CD5D}" dt="2023-11-03T09:29:33.674" v="2149" actId="20577"/>
+      <pc:sldChg chg="modSp mod">
+        <pc:chgData name="Sandeep Nair" userId="696b1cd6-e518-4d79-b445-2c9186d3f0ab" providerId="ADAL" clId="{36BA3F46-526E-4062-8820-06A84EA44CDB}" dt="2023-11-05T03:17:37.325" v="34" actId="6549"/>
         <pc:sldMkLst>
           <pc:docMk/>
           <pc:sldMk cId="1641401202" sldId="2076136297"/>
         </pc:sldMkLst>
         <pc:spChg chg="mod">
-          <ac:chgData name="Sandeep Nair" userId="696b1cd6-e518-4d79-b445-2c9186d3f0ab" providerId="ADAL" clId="{4DFFD64B-8F11-4B1A-BFF6-DB9A1E37CD5D}" dt="2023-11-03T08:08:42.783" v="959" actId="6549"/>
+          <ac:chgData name="Sandeep Nair" userId="696b1cd6-e518-4d79-b445-2c9186d3f0ab" providerId="ADAL" clId="{36BA3F46-526E-4062-8820-06A84EA44CDB}" dt="2023-11-05T03:17:37.325" v="34" actId="6549"/>
           <ac:spMkLst>
             <pc:docMk/>
             <pc:sldMk cId="1641401202" sldId="2076136297"/>
@@ -263,42 +234,20 @@
           </ac:spMkLst>
         </pc:spChg>
       </pc:sldChg>
-      <pc:sldChg chg="modSp del mod">
-        <pc:chgData name="Sandeep Nair" userId="696b1cd6-e518-4d79-b445-2c9186d3f0ab" providerId="ADAL" clId="{4DFFD64B-8F11-4B1A-BFF6-DB9A1E37CD5D}" dt="2023-11-03T08:10:02.024" v="962" actId="47"/>
-        <pc:sldMkLst>
-          <pc:docMk/>
-          <pc:sldMk cId="2189777577" sldId="2147469982"/>
-        </pc:sldMkLst>
-        <pc:spChg chg="mod">
-          <ac:chgData name="Sandeep Nair" userId="696b1cd6-e518-4d79-b445-2c9186d3f0ab" providerId="ADAL" clId="{4DFFD64B-8F11-4B1A-BFF6-DB9A1E37CD5D}" dt="2023-11-03T08:09:43.349" v="960"/>
-          <ac:spMkLst>
-            <pc:docMk/>
-            <pc:sldMk cId="2189777577" sldId="2147469982"/>
-            <ac:spMk id="3" creationId="{46982CB1-256E-6CC5-294D-F1E6CA92938F}"/>
-          </ac:spMkLst>
-        </pc:spChg>
-      </pc:sldChg>
       <pc:sldChg chg="modSp mod">
-        <pc:chgData name="Sandeep Nair" userId="696b1cd6-e518-4d79-b445-2c9186d3f0ab" providerId="ADAL" clId="{4DFFD64B-8F11-4B1A-BFF6-DB9A1E37CD5D}" dt="2023-11-03T08:29:44.869" v="1875" actId="20577"/>
+        <pc:chgData name="Sandeep Nair" userId="696b1cd6-e518-4d79-b445-2c9186d3f0ab" providerId="ADAL" clId="{36BA3F46-526E-4062-8820-06A84EA44CDB}" dt="2023-11-05T04:51:01.704" v="146" actId="20577"/>
         <pc:sldMkLst>
           <pc:docMk/>
           <pc:sldMk cId="85133228" sldId="2147469983"/>
         </pc:sldMkLst>
         <pc:spChg chg="mod">
-          <ac:chgData name="Sandeep Nair" userId="696b1cd6-e518-4d79-b445-2c9186d3f0ab" providerId="ADAL" clId="{4DFFD64B-8F11-4B1A-BFF6-DB9A1E37CD5D}" dt="2023-11-03T08:29:44.869" v="1875" actId="20577"/>
+          <ac:chgData name="Sandeep Nair" userId="696b1cd6-e518-4d79-b445-2c9186d3f0ab" providerId="ADAL" clId="{36BA3F46-526E-4062-8820-06A84EA44CDB}" dt="2023-11-05T04:51:01.704" v="146" actId="20577"/>
           <ac:spMkLst>
             <pc:docMk/>
             <pc:sldMk cId="85133228" sldId="2147469983"/>
             <ac:spMk id="3" creationId="{5357802B-E9F4-A397-20D5-6E192C79263E}"/>
           </ac:spMkLst>
         </pc:spChg>
-      </pc:sldChg>
-      <pc:sldChg chg="add modNotesTx">
-        <pc:chgData name="Sandeep Nair" userId="696b1cd6-e518-4d79-b445-2c9186d3f0ab" providerId="ADAL" clId="{4DFFD64B-8F11-4B1A-BFF6-DB9A1E37CD5D}" dt="2023-11-03T08:18:56.764" v="1341" actId="6549"/>
-        <pc:sldMkLst>
-          <pc:docMk/>
-          <pc:sldMk cId="1918060408" sldId="2147469987"/>
-        </pc:sldMkLst>
       </pc:sldChg>
     </pc:docChg>
   </pc:docChgLst>
@@ -399,7 +348,7 @@
           <a:p>
             <a:fld id="{5DC6FE6B-C416-4AB4-9C30-FB2A7099CAC6}" type="datetimeFigureOut">
               <a:rPr lang="en-US" smtClean="0"/>
-              <a:t>11/4/2023</a:t>
+              <a:t>11/5/2023</a:t>
             </a:fld>
             <a:endParaRPr lang="en-US"/>
           </a:p>
@@ -576,7 +525,7 @@
           <a:p>
             <a:fld id="{CFF76AD5-84B7-47FE-802A-FFAE792CDC84}" type="datetimeFigureOut">
               <a:rPr lang="en-US" smtClean="0"/>
-              <a:t>11/4/2023</a:t>
+              <a:t>11/5/2023</a:t>
             </a:fld>
             <a:endParaRPr lang="en-US"/>
           </a:p>
@@ -889,7 +838,7 @@
           <a:p>
             <a:r>
               <a:rPr lang="en-US" dirty="0"/>
-              <a:t>Hello. Welcome to the walk through for Challenge-4 of the Build and Modernize AI Applications Hackathon for the Vector Search &amp; AI Assistant solution accelerator.</a:t>
+              <a:t>Hello. Welcome to the walk through for Challenge-5 of the Build and Modernize AI Applications Hackathon for the Vector Search &amp; AI Assistant solution accelerator.</a:t>
             </a:r>
           </a:p>
           <a:p>
@@ -898,19 +847,19 @@
           <a:p>
             <a:r>
               <a:rPr lang="en-US" dirty="0"/>
-              <a:t>This is the train the trainer video for Challenge 4 : </a:t>
-            </a:r>
-            <a:r>
-              <a:rPr lang="en-IN" b="1" dirty="0">
+              <a:t>This is the train the trainer video for Challenge 5 : </a:t>
+            </a:r>
+            <a:r>
+              <a:rPr lang="en-US" b="1" dirty="0">
                 <a:solidFill>
                   <a:srgbClr val="569CD6"/>
                 </a:solidFill>
                 <a:effectLst/>
                 <a:latin typeface="Consolas" panose="020B0609020204030204" pitchFamily="49" charset="0"/>
               </a:rPr>
-              <a:t>What's Your Vector, Victor?</a:t>
-            </a:r>
-            <a:endParaRPr lang="en-IN" b="0" dirty="0">
+              <a:t>It's All About the Payload, The Sequel</a:t>
+            </a:r>
+            <a:endParaRPr lang="en-US" b="0" dirty="0">
               <a:solidFill>
                 <a:srgbClr val="D4D4D4"/>
               </a:solidFill>
@@ -924,23 +873,7 @@
           <a:p>
             <a:r>
               <a:rPr lang="en-US" dirty="0"/>
-              <a:t>This video is </a:t>
-            </a:r>
-            <a:r>
-              <a:rPr lang="en-US"/>
-              <a:t>part of  </a:t>
-            </a:r>
-            <a:r>
-              <a:rPr lang="en-US" dirty="0"/>
-              <a:t>the trainer </a:t>
-            </a:r>
-            <a:r>
-              <a:rPr lang="en-US"/>
-              <a:t>videos series, </a:t>
-            </a:r>
-            <a:r>
-              <a:rPr lang="en-US" dirty="0"/>
-              <a:t>and, in this video, I will highlight key pieces of knowledge that would you need to effectively coach the hackathon participants.</a:t>
+              <a:t>This video is part of  the trainer videos series, and, in this video, I will highlight key pieces of knowledge that would you need to effectively coach the hackathon participants.</a:t>
             </a:r>
           </a:p>
           <a:p>
@@ -12359,7 +12292,7 @@
           <a:p>
             <a:fld id="{E99080E2-161E-4461-9006-6F8BF1776BE3}" type="datetime1">
               <a:rPr lang="en-US" smtClean="0"/>
-              <a:t>11/4/2023</a:t>
+              <a:t>11/5/2023</a:t>
             </a:fld>
             <a:endParaRPr lang="en-US"/>
           </a:p>
@@ -12472,7 +12405,7 @@
           <a:p>
             <a:fld id="{643E9E83-8A79-40C0-9FE5-E30ED9EDC2DE}" type="datetime1">
               <a:rPr lang="en-US" smtClean="0"/>
-              <a:t>11/4/2023</a:t>
+              <a:t>11/5/2023</a:t>
             </a:fld>
             <a:endParaRPr lang="en-US"/>
           </a:p>
@@ -16015,7 +15948,12 @@
             <p:ph type="title"/>
           </p:nvPr>
         </p:nvSpPr>
-        <p:spPr/>
+        <p:spPr>
+          <a:xfrm>
+            <a:off x="4648205" y="3941660"/>
+            <a:ext cx="7364590" cy="553998"/>
+          </a:xfrm>
+        </p:spPr>
         <p:txBody>
           <a:bodyPr/>
           <a:lstStyle/>
@@ -16049,7 +15987,12 @@
             <p:ph type="subTitle" idx="1"/>
           </p:nvPr>
         </p:nvSpPr>
-        <p:spPr/>
+        <p:spPr>
+          <a:xfrm>
+            <a:off x="4648205" y="4624833"/>
+            <a:ext cx="7364590" cy="338554"/>
+          </a:xfrm>
+        </p:spPr>
         <p:txBody>
           <a:bodyPr/>
           <a:lstStyle/>
@@ -16075,8 +16018,8 @@
         </p:nvSpPr>
         <p:spPr>
           <a:xfrm>
-            <a:off x="4851401" y="5837237"/>
-            <a:ext cx="6482906" cy="369332"/>
+            <a:off x="4648204" y="5837237"/>
+            <a:ext cx="6739273" cy="369332"/>
           </a:xfrm>
           <a:prstGeom prst="rect">
             <a:avLst/>
@@ -16176,8 +16119,8 @@
         </p:nvSpPr>
         <p:spPr>
           <a:xfrm>
-            <a:off x="4851401" y="5280124"/>
-            <a:ext cx="7084436" cy="744819"/>
+            <a:off x="4648204" y="5280124"/>
+            <a:ext cx="7630883" cy="338554"/>
           </a:xfrm>
           <a:prstGeom prst="rect">
             <a:avLst/>
@@ -16372,27 +16315,18 @@
           <a:p>
             <a:r>
               <a:rPr lang="en-US" dirty="0"/>
-              <a:t>Challenge 4: </a:t>
-            </a:r>
-            <a:r>
-              <a:rPr lang="en-IN" b="1" dirty="0">
+              <a:t>Challenge 5: </a:t>
+            </a:r>
+            <a:r>
+              <a:rPr lang="en-US" b="1" dirty="0">
                 <a:solidFill>
                   <a:srgbClr val="569CD6"/>
                 </a:solidFill>
                 <a:effectLst/>
                 <a:latin typeface="Consolas" panose="020B0609020204030204" pitchFamily="49" charset="0"/>
               </a:rPr>
-              <a:t>What's Your Vector, Victor?</a:t>
-            </a:r>
-            <a:endParaRPr lang="en-IN" b="0" dirty="0">
-              <a:solidFill>
-                <a:srgbClr val="D4D4D4"/>
-              </a:solidFill>
-              <a:effectLst/>
-              <a:latin typeface="Consolas" panose="020B0609020204030204" pitchFamily="49" charset="0"/>
-            </a:endParaRPr>
-          </a:p>
-          <a:p>
+              <a:t>It's All About the Payload, The Sequel</a:t>
+            </a:r>
             <a:endParaRPr lang="en-US" dirty="0"/>
           </a:p>
         </p:txBody>
@@ -16486,7 +16420,7 @@
         <p:spPr>
           <a:xfrm>
             <a:off x="586390" y="1434370"/>
-            <a:ext cx="11018520" cy="4210383"/>
+            <a:ext cx="11018520" cy="3693319"/>
           </a:xfrm>
         </p:spPr>
         <p:txBody>
@@ -16499,28 +16433,7 @@
             </a:pPr>
             <a:r>
               <a:rPr lang="en-US" sz="2400" dirty="0"/>
-              <a:t>Understand the steps involved is making new data ready for LLM interaction.</a:t>
-            </a:r>
-          </a:p>
-          <a:p>
-            <a:pPr marL="457200" indent="-457200">
-              <a:buFont typeface="Arial" panose="020B0604020202020204" pitchFamily="34" charset="0"/>
-              <a:buChar char="•"/>
-            </a:pPr>
-            <a:endParaRPr lang="en-US" sz="2400" dirty="0"/>
-          </a:p>
-          <a:p>
-            <a:pPr marL="457200" indent="-457200">
-              <a:buFont typeface="Arial" panose="020B0604020202020204" pitchFamily="34" charset="0"/>
-              <a:buChar char="•"/>
-            </a:pPr>
-            <a:r>
-              <a:rPr lang="en-US" sz="2400" dirty="0"/>
-              <a:t>Explore how to </a:t>
-            </a:r>
-            <a:r>
-              <a:rPr lang="en-IN" sz="2400" dirty="0"/>
-              <a:t>elicit different response formats from the LLM.</a:t>
+              <a:t>Understand the steps involved is making new data type ready for LLM interaction.</a:t>
             </a:r>
           </a:p>
           <a:p>
@@ -16556,7 +16469,7 @@
               <a:rPr lang="en-US" sz="2000" dirty="0">
                 <a:hlinkClick r:id="rId3"/>
               </a:rPr>
-              <a:t>https://github.com/Azure/Build-Modern-AI-Apps-Hackathon/blob/main/04-challenge04.md</a:t>
+              <a:t>https://github.com/Azure/Build-Modern-AI-Apps-Hackathon/blob/main/05-challenge05.md</a:t>
             </a:r>
             <a:endParaRPr lang="en-US" sz="2000" dirty="0"/>
           </a:p>
@@ -16824,7 +16737,7 @@
         <p:spPr>
           <a:xfrm>
             <a:off x="588263" y="1218470"/>
-            <a:ext cx="11453210" cy="5589222"/>
+            <a:ext cx="11453210" cy="6032421"/>
           </a:xfrm>
         </p:spPr>
         <p:txBody>
@@ -16837,7 +16750,7 @@
             </a:pPr>
             <a:r>
               <a:rPr lang="en-US" sz="2400" dirty="0"/>
-              <a:t>Understanding  the process  of creating embedding, storing it in Cognitive Search </a:t>
+              <a:t>Understanding  the process  of creating a new data type  for embedding, storing it in Cognitive Search </a:t>
             </a:r>
           </a:p>
           <a:p>
@@ -16849,7 +16762,7 @@
               <a:rPr lang="en-US" sz="2400" dirty="0">
                 <a:cs typeface="Segoe UI" panose="020B0502040204020203" pitchFamily="34" charset="0"/>
               </a:rPr>
-              <a:t>Apply Breakpoint  in Cosmos DB change feed processor to study the flow.</a:t>
+              <a:t>Create model class</a:t>
             </a:r>
           </a:p>
           <a:p>
@@ -16861,7 +16774,40 @@
               <a:rPr lang="en-US" sz="2400" dirty="0">
                 <a:cs typeface="Segoe UI" panose="020B0502040204020203" pitchFamily="34" charset="0"/>
               </a:rPr>
-              <a:t>Add  new Products / Customers (use DMT/Portal)</a:t>
+              <a:t>Update </a:t>
+            </a:r>
+            <a:r>
+              <a:rPr lang="en-US" sz="2400" dirty="0" err="1">
+                <a:cs typeface="Segoe UI" panose="020B0502040204020203" pitchFamily="34" charset="0"/>
+              </a:rPr>
+              <a:t>ModelRegistry</a:t>
+            </a:r>
+            <a:endParaRPr lang="en-US" sz="2400" dirty="0">
+              <a:cs typeface="Segoe UI" panose="020B0502040204020203" pitchFamily="34" charset="0"/>
+            </a:endParaRPr>
+          </a:p>
+          <a:p>
+            <a:pPr marL="742950" lvl="2" indent="-285750">
+              <a:buFont typeface="Wingdings" panose="05000000000000000000" pitchFamily="2" charset="2"/>
+              <a:buChar char="ü"/>
+            </a:pPr>
+            <a:r>
+              <a:rPr lang="en-US" sz="2400" dirty="0">
+                <a:cs typeface="Segoe UI" panose="020B0502040204020203" pitchFamily="34" charset="0"/>
+              </a:rPr>
+              <a:t>Apply Breakpoint  in Cosmos DB change feed processor to study the flow.</a:t>
+            </a:r>
+          </a:p>
+          <a:p>
+            <a:pPr marL="742950" lvl="2" indent="-285750">
+              <a:buFont typeface="Wingdings" panose="05000000000000000000" pitchFamily="2" charset="2"/>
+              <a:buChar char="ü"/>
+            </a:pPr>
+            <a:r>
+              <a:rPr lang="en-US" sz="2400" dirty="0">
+                <a:cs typeface="Segoe UI" panose="020B0502040204020203" pitchFamily="34" charset="0"/>
+              </a:rPr>
+              <a:t>Add  new  data type in Cosmos DB</a:t>
             </a:r>
           </a:p>
           <a:p>
@@ -16888,16 +16834,6 @@
               <a:buFont typeface="+mj-lt"/>
               <a:buAutoNum type="arabicPeriod"/>
             </a:pPr>
-            <a:r>
-              <a:rPr lang="en-US" sz="2400" dirty="0"/>
-              <a:t>Experiment with various prompts.</a:t>
-            </a:r>
-          </a:p>
-          <a:p>
-            <a:pPr marL="457200" indent="-457200">
-              <a:buFont typeface="+mj-lt"/>
-              <a:buAutoNum type="arabicPeriod"/>
-            </a:pPr>
             <a:endParaRPr lang="en-US" sz="2400" dirty="0"/>
           </a:p>
           <a:p>
@@ -16917,7 +16853,7 @@
               <a:rPr lang="en-US" dirty="0">
                 <a:hlinkClick r:id="rId3"/>
               </a:rPr>
-              <a:t>https://github.com/AzureCosmosDB/hackathon-content/blob/main/hackathon-guides/build-modern-ai-apps/challenge-solutions/challenge-04/challenge-04.md</a:t>
+              <a:t>https://github.com/AzureCosmosDB/hackathon-content/blob/main/hackathon-guides/build-modern-ai-apps/challenge-solutions/challenge-05/challenge-05.md</a:t>
             </a:r>
             <a:endParaRPr lang="en-US" dirty="0"/>
           </a:p>
@@ -18074,6 +18010,42 @@
 </file>
 
 <file path=customXml/item1.xml><?xml version="1.0" encoding="utf-8"?>
+<?mso-contentType ?>
+<FormTemplates xmlns="http://schemas.microsoft.com/sharepoint/v3/contenttype/forms">
+  <Display>DocumentLibraryForm</Display>
+  <Edit>DocumentLibraryForm</Edit>
+  <New>DocumentLibraryForm</New>
+</FormTemplates>
+</file>
+
+<file path=customXml/item2.xml><?xml version="1.0" encoding="utf-8"?>
+<p:properties xmlns:p="http://schemas.microsoft.com/office/2006/metadata/properties" xmlns:xsi="http://www.w3.org/2001/XMLSchema-instance" xmlns:pc="http://schemas.microsoft.com/office/infopath/2007/PartnerControls">
+  <documentManagement>
+    <MediaServiceKeyPoints xmlns="675661ce-a921-4ef4-be83-dd19f3c4cc86" xsi:nil="true"/>
+    <MaterialType xmlns="675661ce-a921-4ef4-be83-dd19f3c4cc86">
+      <Value>Presentation Ready Deck</Value>
+    </MaterialType>
+    <Description xmlns="675661ce-a921-4ef4-be83-dd19f3c4cc86" xsi:nil="true"/>
+    <Tag xmlns="675661ce-a921-4ef4-be83-dd19f3c4cc86">
+      <Value>PM</Value>
+      <Value>Lead Coach</Value>
+      <Value>Coach</Value>
+    </Tag>
+    <OHOrder xmlns="675661ce-a921-4ef4-be83-dd19f3c4cc86" xsi:nil="true"/>
+    <Internal_x0020_MSFT xmlns="675661ce-a921-4ef4-be83-dd19f3c4cc86" xsi:nil="true"/>
+    <OrderNo_x002e_ xmlns="675661ce-a921-4ef4-be83-dd19f3c4cc86" xsi:nil="true"/>
+    <Sequence_x0020_of_x0020_Material xmlns="675661ce-a921-4ef4-be83-dd19f3c4cc86">4. Day of Event</Sequence_x0020_of_x0020_Material>
+    <_ip_UnifiedCompliancePolicyUIAction xmlns="http://schemas.microsoft.com/sharepoint/v3" xsi:nil="true"/>
+    <_ip_UnifiedCompliancePolicyProperties xmlns="http://schemas.microsoft.com/sharepoint/v3" xsi:nil="true"/>
+    <lcf76f155ced4ddcb4097134ff3c332f xmlns="675661ce-a921-4ef4-be83-dd19f3c4cc86">
+      <Terms xmlns="http://schemas.microsoft.com/office/infopath/2007/PartnerControls"/>
+    </lcf76f155ced4ddcb4097134ff3c332f>
+    <TaxCatchAll xmlns="230e9df3-be65-4c73-a93b-d1236ebd677e" xsi:nil="true"/>
+  </documentManagement>
+</p:properties>
+</file>
+
+<file path=customXml/item3.xml><?xml version="1.0" encoding="utf-8"?>
 <ct:contentTypeSchema xmlns:ct="http://schemas.microsoft.com/office/2006/metadata/contentType" xmlns:ma="http://schemas.microsoft.com/office/2006/metadata/properties/metaAttributes" ct:_="" ma:_="" ma:contentTypeName="Document" ma:contentTypeID="0x010100262D61D9A00A5041B210DE23A0FE8625" ma:contentTypeVersion="24" ma:contentTypeDescription="Create a new document." ma:contentTypeScope="" ma:versionID="839773bd44a51a311d8e2846b7142e4b">
   <xsd:schema xmlns:xsd="http://www.w3.org/2001/XMLSchema" xmlns:xs="http://www.w3.org/2001/XMLSchema" xmlns:p="http://schemas.microsoft.com/office/2006/metadata/properties" xmlns:ns1="http://schemas.microsoft.com/sharepoint/v3" xmlns:ns2="675661ce-a921-4ef4-be83-dd19f3c4cc86" xmlns:ns3="4343a8c8-d2d9-429e-8dd3-28f02b2ba4f5" xmlns:ns4="230e9df3-be65-4c73-a93b-d1236ebd677e" targetNamespace="http://schemas.microsoft.com/office/2006/metadata/properties" ma:root="true" ma:fieldsID="7f43399919387af8e2a3ad2b19a547db" ns1:_="" ns2:_="" ns3:_="" ns4:_="">
     <xsd:import namespace="http://schemas.microsoft.com/sharepoint/v3"/>
@@ -18413,59 +18385,10 @@
 </ct:contentTypeSchema>
 </file>
 
-<file path=customXml/item2.xml><?xml version="1.0" encoding="utf-8"?>
-<p:properties xmlns:p="http://schemas.microsoft.com/office/2006/metadata/properties" xmlns:xsi="http://www.w3.org/2001/XMLSchema-instance" xmlns:pc="http://schemas.microsoft.com/office/infopath/2007/PartnerControls">
-  <documentManagement>
-    <MediaServiceKeyPoints xmlns="675661ce-a921-4ef4-be83-dd19f3c4cc86" xsi:nil="true"/>
-    <MaterialType xmlns="675661ce-a921-4ef4-be83-dd19f3c4cc86">
-      <Value>Presentation Ready Deck</Value>
-    </MaterialType>
-    <Description xmlns="675661ce-a921-4ef4-be83-dd19f3c4cc86" xsi:nil="true"/>
-    <Tag xmlns="675661ce-a921-4ef4-be83-dd19f3c4cc86">
-      <Value>PM</Value>
-      <Value>Lead Coach</Value>
-      <Value>Coach</Value>
-    </Tag>
-    <OHOrder xmlns="675661ce-a921-4ef4-be83-dd19f3c4cc86" xsi:nil="true"/>
-    <Internal_x0020_MSFT xmlns="675661ce-a921-4ef4-be83-dd19f3c4cc86" xsi:nil="true"/>
-    <OrderNo_x002e_ xmlns="675661ce-a921-4ef4-be83-dd19f3c4cc86" xsi:nil="true"/>
-    <Sequence_x0020_of_x0020_Material xmlns="675661ce-a921-4ef4-be83-dd19f3c4cc86">4. Day of Event</Sequence_x0020_of_x0020_Material>
-    <_ip_UnifiedCompliancePolicyUIAction xmlns="http://schemas.microsoft.com/sharepoint/v3" xsi:nil="true"/>
-    <_ip_UnifiedCompliancePolicyProperties xmlns="http://schemas.microsoft.com/sharepoint/v3" xsi:nil="true"/>
-    <lcf76f155ced4ddcb4097134ff3c332f xmlns="675661ce-a921-4ef4-be83-dd19f3c4cc86">
-      <Terms xmlns="http://schemas.microsoft.com/office/infopath/2007/PartnerControls"/>
-    </lcf76f155ced4ddcb4097134ff3c332f>
-    <TaxCatchAll xmlns="230e9df3-be65-4c73-a93b-d1236ebd677e" xsi:nil="true"/>
-  </documentManagement>
-</p:properties>
-</file>
-
-<file path=customXml/item3.xml><?xml version="1.0" encoding="utf-8"?>
-<?mso-contentType ?>
-<FormTemplates xmlns="http://schemas.microsoft.com/sharepoint/v3/contenttype/forms">
-  <Display>DocumentLibraryForm</Display>
-  <Edit>DocumentLibraryForm</Edit>
-  <New>DocumentLibraryForm</New>
-</FormTemplates>
-</file>
-
 <file path=customXml/itemProps1.xml><?xml version="1.0" encoding="utf-8"?>
-<ds:datastoreItem xmlns:ds="http://schemas.openxmlformats.org/officeDocument/2006/customXml" ds:itemID="{D1157EB0-1AB2-459D-92B4-E00E8DCC06DF}">
+<ds:datastoreItem xmlns:ds="http://schemas.openxmlformats.org/officeDocument/2006/customXml" ds:itemID="{91696345-23F8-4CDB-8A31-BEF0BEB16805}">
   <ds:schemaRefs>
-    <ds:schemaRef ds:uri="http://schemas.microsoft.com/office/2006/metadata/contentType"/>
-    <ds:schemaRef ds:uri="http://schemas.microsoft.com/office/2006/metadata/properties/metaAttributes"/>
-    <ds:schemaRef ds:uri="http://www.w3.org/2001/XMLSchema"/>
-    <ds:schemaRef ds:uri="http://schemas.microsoft.com/office/2006/metadata/properties"/>
-    <ds:schemaRef ds:uri="http://schemas.microsoft.com/sharepoint/v3"/>
-    <ds:schemaRef ds:uri="675661ce-a921-4ef4-be83-dd19f3c4cc86"/>
-    <ds:schemaRef ds:uri="4343a8c8-d2d9-429e-8dd3-28f02b2ba4f5"/>
-    <ds:schemaRef ds:uri="230e9df3-be65-4c73-a93b-d1236ebd677e"/>
-    <ds:schemaRef ds:uri="http://schemas.microsoft.com/office/2006/documentManagement/types"/>
-    <ds:schemaRef ds:uri="http://schemas.microsoft.com/office/infopath/2007/PartnerControls"/>
-    <ds:schemaRef ds:uri="http://schemas.openxmlformats.org/package/2006/metadata/core-properties"/>
-    <ds:schemaRef ds:uri="http://purl.org/dc/elements/1.1/"/>
-    <ds:schemaRef ds:uri="http://purl.org/dc/terms/"/>
-    <ds:schemaRef ds:uri="http://schemas.microsoft.com/internal/obd"/>
+    <ds:schemaRef ds:uri="http://schemas.microsoft.com/sharepoint/v3/contenttype/forms"/>
   </ds:schemaRefs>
 </ds:datastoreItem>
 </file>
@@ -18490,9 +18413,22 @@
 </file>
 
 <file path=customXml/itemProps3.xml><?xml version="1.0" encoding="utf-8"?>
-<ds:datastoreItem xmlns:ds="http://schemas.openxmlformats.org/officeDocument/2006/customXml" ds:itemID="{91696345-23F8-4CDB-8A31-BEF0BEB16805}">
+<ds:datastoreItem xmlns:ds="http://schemas.openxmlformats.org/officeDocument/2006/customXml" ds:itemID="{D1157EB0-1AB2-459D-92B4-E00E8DCC06DF}">
   <ds:schemaRefs>
-    <ds:schemaRef ds:uri="http://schemas.microsoft.com/sharepoint/v3/contenttype/forms"/>
+    <ds:schemaRef ds:uri="http://schemas.microsoft.com/office/2006/metadata/contentType"/>
+    <ds:schemaRef ds:uri="http://schemas.microsoft.com/office/2006/metadata/properties/metaAttributes"/>
+    <ds:schemaRef ds:uri="http://www.w3.org/2001/XMLSchema"/>
+    <ds:schemaRef ds:uri="http://schemas.microsoft.com/office/2006/metadata/properties"/>
+    <ds:schemaRef ds:uri="http://schemas.microsoft.com/sharepoint/v3"/>
+    <ds:schemaRef ds:uri="675661ce-a921-4ef4-be83-dd19f3c4cc86"/>
+    <ds:schemaRef ds:uri="4343a8c8-d2d9-429e-8dd3-28f02b2ba4f5"/>
+    <ds:schemaRef ds:uri="230e9df3-be65-4c73-a93b-d1236ebd677e"/>
+    <ds:schemaRef ds:uri="http://schemas.microsoft.com/office/2006/documentManagement/types"/>
+    <ds:schemaRef ds:uri="http://schemas.microsoft.com/office/infopath/2007/PartnerControls"/>
+    <ds:schemaRef ds:uri="http://schemas.openxmlformats.org/package/2006/metadata/core-properties"/>
+    <ds:schemaRef ds:uri="http://purl.org/dc/elements/1.1/"/>
+    <ds:schemaRef ds:uri="http://purl.org/dc/terms/"/>
+    <ds:schemaRef ds:uri="http://schemas.microsoft.com/internal/obd"/>
   </ds:schemaRefs>
 </ds:datastoreItem>
 </file>
